--- a/output/05-warm-professional.pptx
+++ b/output/05-warm-professional.pptx
@@ -2854,7 +2854,7 @@
                 <a:ea typeface="Segoe UI" pitchFamily="34" charset="-122"/>
                 <a:cs typeface="Segoe UI" pitchFamily="34" charset="-120"/>
               </a:rPr>
-              <a:t>Planungsalgorithmus</a:t>
+              <a:t>Touren-Planung</a:t>
             </a:r>
             <a:endParaRPr lang="en-US" sz="1400" dirty="0"/>
           </a:p>
@@ -2893,7 +2893,7 @@
                 <a:ea typeface="Segoe UI" pitchFamily="34" charset="-122"/>
                 <a:cs typeface="Segoe UI" pitchFamily="34" charset="-120"/>
               </a:rPr>
-              <a:t>Intelligente Tourenoptimierung</a:t>
+              <a:t>Intelligente Routenoptimierung</a:t>
             </a:r>
             <a:endParaRPr lang="en-US" sz="1000" dirty="0"/>
           </a:p>
@@ -3195,7 +3195,7 @@
                 <a:ea typeface="Segoe UI" pitchFamily="34" charset="-122"/>
                 <a:cs typeface="Segoe UI" pitchFamily="34" charset="-120"/>
               </a:rPr>
-              <a:t>Zentrale Verwaltungsoberfläche</a:t>
+              <a:t>Zentrale Verwaltung</a:t>
             </a:r>
             <a:endParaRPr lang="en-US" sz="1000" dirty="0"/>
           </a:p>
